--- a/Infer_Temp/3_spheres/sphere.pptx
+++ b/Infer_Temp/3_spheres/sphere.pptx
@@ -104,6 +104,11 @@
       </a:defRPr>
     </a:lvl9pPr>
   </p:defaultTextStyle>
+  <p:extLst>
+    <p:ext uri="{EFAFB233-063F-42B5-8137-9DF3F51BA10A}">
+      <p15:sldGuideLst xmlns:p15="http://schemas.microsoft.com/office/powerpoint/2012/main"/>
+    </p:ext>
+  </p:extLst>
 </p:presentation>
 </file>
 
@@ -256,7 +261,7 @@
           <a:p>
             <a:fld id="{2B3B1A57-7AC1-7248-BE16-D9E0BC1B986E}" type="datetimeFigureOut">
               <a:rPr lang="en-NO" smtClean="0"/>
-              <a:t>03/10/2022</a:t>
+              <a:t>14/10/2022</a:t>
             </a:fld>
             <a:endParaRPr lang="en-NO"/>
           </a:p>
@@ -456,7 +461,7 @@
           <a:p>
             <a:fld id="{2B3B1A57-7AC1-7248-BE16-D9E0BC1B986E}" type="datetimeFigureOut">
               <a:rPr lang="en-NO" smtClean="0"/>
-              <a:t>03/10/2022</a:t>
+              <a:t>14/10/2022</a:t>
             </a:fld>
             <a:endParaRPr lang="en-NO"/>
           </a:p>
@@ -666,7 +671,7 @@
           <a:p>
             <a:fld id="{2B3B1A57-7AC1-7248-BE16-D9E0BC1B986E}" type="datetimeFigureOut">
               <a:rPr lang="en-NO" smtClean="0"/>
-              <a:t>03/10/2022</a:t>
+              <a:t>14/10/2022</a:t>
             </a:fld>
             <a:endParaRPr lang="en-NO"/>
           </a:p>
@@ -866,7 +871,7 @@
           <a:p>
             <a:fld id="{2B3B1A57-7AC1-7248-BE16-D9E0BC1B986E}" type="datetimeFigureOut">
               <a:rPr lang="en-NO" smtClean="0"/>
-              <a:t>03/10/2022</a:t>
+              <a:t>14/10/2022</a:t>
             </a:fld>
             <a:endParaRPr lang="en-NO"/>
           </a:p>
@@ -1142,7 +1147,7 @@
           <a:p>
             <a:fld id="{2B3B1A57-7AC1-7248-BE16-D9E0BC1B986E}" type="datetimeFigureOut">
               <a:rPr lang="en-NO" smtClean="0"/>
-              <a:t>03/10/2022</a:t>
+              <a:t>14/10/2022</a:t>
             </a:fld>
             <a:endParaRPr lang="en-NO"/>
           </a:p>
@@ -1410,7 +1415,7 @@
           <a:p>
             <a:fld id="{2B3B1A57-7AC1-7248-BE16-D9E0BC1B986E}" type="datetimeFigureOut">
               <a:rPr lang="en-NO" smtClean="0"/>
-              <a:t>03/10/2022</a:t>
+              <a:t>14/10/2022</a:t>
             </a:fld>
             <a:endParaRPr lang="en-NO"/>
           </a:p>
@@ -1825,7 +1830,7 @@
           <a:p>
             <a:fld id="{2B3B1A57-7AC1-7248-BE16-D9E0BC1B986E}" type="datetimeFigureOut">
               <a:rPr lang="en-NO" smtClean="0"/>
-              <a:t>03/10/2022</a:t>
+              <a:t>14/10/2022</a:t>
             </a:fld>
             <a:endParaRPr lang="en-NO"/>
           </a:p>
@@ -1967,7 +1972,7 @@
           <a:p>
             <a:fld id="{2B3B1A57-7AC1-7248-BE16-D9E0BC1B986E}" type="datetimeFigureOut">
               <a:rPr lang="en-NO" smtClean="0"/>
-              <a:t>03/10/2022</a:t>
+              <a:t>14/10/2022</a:t>
             </a:fld>
             <a:endParaRPr lang="en-NO"/>
           </a:p>
@@ -2080,7 +2085,7 @@
           <a:p>
             <a:fld id="{2B3B1A57-7AC1-7248-BE16-D9E0BC1B986E}" type="datetimeFigureOut">
               <a:rPr lang="en-NO" smtClean="0"/>
-              <a:t>03/10/2022</a:t>
+              <a:t>14/10/2022</a:t>
             </a:fld>
             <a:endParaRPr lang="en-NO"/>
           </a:p>
@@ -2393,7 +2398,7 @@
           <a:p>
             <a:fld id="{2B3B1A57-7AC1-7248-BE16-D9E0BC1B986E}" type="datetimeFigureOut">
               <a:rPr lang="en-NO" smtClean="0"/>
-              <a:t>03/10/2022</a:t>
+              <a:t>14/10/2022</a:t>
             </a:fld>
             <a:endParaRPr lang="en-NO"/>
           </a:p>
@@ -2682,7 +2687,7 @@
           <a:p>
             <a:fld id="{2B3B1A57-7AC1-7248-BE16-D9E0BC1B986E}" type="datetimeFigureOut">
               <a:rPr lang="en-NO" smtClean="0"/>
-              <a:t>03/10/2022</a:t>
+              <a:t>14/10/2022</a:t>
             </a:fld>
             <a:endParaRPr lang="en-NO"/>
           </a:p>
@@ -2925,7 +2930,7 @@
           <a:p>
             <a:fld id="{2B3B1A57-7AC1-7248-BE16-D9E0BC1B986E}" type="datetimeFigureOut">
               <a:rPr lang="en-NO" smtClean="0"/>
-              <a:t>03/10/2022</a:t>
+              <a:t>14/10/2022</a:t>
             </a:fld>
             <a:endParaRPr lang="en-NO"/>
           </a:p>
@@ -3394,10 +3399,10 @@
       </p:sp>
       <p:grpSp>
         <p:nvGrpSpPr>
-          <p:cNvPr id="8" name="Group 7">
-            <a:extLst>
-              <a:ext uri="{FF2B5EF4-FFF2-40B4-BE49-F238E27FC236}">
-                <a16:creationId xmlns:a16="http://schemas.microsoft.com/office/drawing/2014/main" id="{BA31FF82-57CA-A0DF-05DB-9D6435928246}"/>
+          <p:cNvPr id="16" name="Group 15">
+            <a:extLst>
+              <a:ext uri="{FF2B5EF4-FFF2-40B4-BE49-F238E27FC236}">
+                <a16:creationId xmlns:a16="http://schemas.microsoft.com/office/drawing/2014/main" id="{69E968E5-492F-BAE8-66FC-BEEF3597EC32}"/>
               </a:ext>
             </a:extLst>
           </p:cNvPr>
@@ -3406,18 +3411,18 @@
         </p:nvGrpSpPr>
         <p:grpSpPr>
           <a:xfrm>
-            <a:off x="-1260375" y="-250256"/>
+            <a:off x="6915457" y="-7567448"/>
             <a:ext cx="14061440" cy="6858000"/>
-            <a:chOff x="-1260375" y="-250256"/>
+            <a:chOff x="6915457" y="-7567448"/>
             <a:chExt cx="14061440" cy="6858000"/>
           </a:xfrm>
         </p:grpSpPr>
         <p:pic>
           <p:nvPicPr>
-            <p:cNvPr id="5" name="Picture 4">
+            <p:cNvPr id="10" name="Picture 9">
               <a:extLst>
                 <a:ext uri="{FF2B5EF4-FFF2-40B4-BE49-F238E27FC236}">
-                  <a16:creationId xmlns:a16="http://schemas.microsoft.com/office/drawing/2014/main" id="{7468DC36-4403-D3CC-DE9B-86DA7523F179}"/>
+                  <a16:creationId xmlns:a16="http://schemas.microsoft.com/office/drawing/2014/main" id="{7C926F79-A6C5-633F-E300-97A6D6C7E2BC}"/>
                 </a:ext>
               </a:extLst>
             </p:cNvPr>
@@ -3434,7 +3439,7 @@
           </p:blipFill>
           <p:spPr>
             <a:xfrm>
-              <a:off x="-1260375" y="-250256"/>
+              <a:off x="6915457" y="-7567448"/>
               <a:ext cx="7254240" cy="6858000"/>
             </a:xfrm>
             <a:prstGeom prst="rect">
@@ -3444,10 +3449,10 @@
         </p:pic>
         <p:pic>
           <p:nvPicPr>
-            <p:cNvPr id="7" name="Picture 6">
+            <p:cNvPr id="15" name="Picture 14">
               <a:extLst>
                 <a:ext uri="{FF2B5EF4-FFF2-40B4-BE49-F238E27FC236}">
-                  <a16:creationId xmlns:a16="http://schemas.microsoft.com/office/drawing/2014/main" id="{8A909965-CF73-CCBC-288D-41B1F1843A11}"/>
+                  <a16:creationId xmlns:a16="http://schemas.microsoft.com/office/drawing/2014/main" id="{5F9BE1ED-5BB7-ED08-94B1-896364F2EA46}"/>
                 </a:ext>
               </a:extLst>
             </p:cNvPr>
@@ -3464,7 +3469,7 @@
           </p:blipFill>
           <p:spPr>
             <a:xfrm>
-              <a:off x="5993865" y="-250256"/>
+              <a:off x="14169697" y="-7567448"/>
               <a:ext cx="6807200" cy="6858000"/>
             </a:xfrm>
             <a:prstGeom prst="rect">
